--- a/CRUD.pptx
+++ b/CRUD.pptx
@@ -5094,7 +5094,7 @@
         </p:nvPicPr>
         <p:blipFill rotWithShape="1">
           <a:blip r:embed="rId2">
-            <a:alphaModFix amt="20000"/>
+            <a:alphaModFix amt="5000"/>
           </a:blip>
           <a:srcRect t="2646"/>
           <a:stretch/>
